--- a/Teaching/Courses/F23/CIS500/LectureNotes/cis500_intro.pptx
+++ b/Teaching/Courses/F23/CIS500/LectureNotes/cis500_intro.pptx
@@ -12,13 +12,15 @@
     <p:sldId id="261" r:id="rId6"/>
     <p:sldId id="262" r:id="rId7"/>
     <p:sldId id="263" r:id="rId8"/>
-    <p:sldId id="264" r:id="rId9"/>
-    <p:sldId id="270" r:id="rId10"/>
-    <p:sldId id="266" r:id="rId11"/>
-    <p:sldId id="267" r:id="rId12"/>
-    <p:sldId id="265" r:id="rId13"/>
-    <p:sldId id="269" r:id="rId14"/>
-    <p:sldId id="268" r:id="rId15"/>
+    <p:sldId id="272" r:id="rId9"/>
+    <p:sldId id="273" r:id="rId10"/>
+    <p:sldId id="264" r:id="rId11"/>
+    <p:sldId id="270" r:id="rId12"/>
+    <p:sldId id="266" r:id="rId13"/>
+    <p:sldId id="267" r:id="rId14"/>
+    <p:sldId id="265" r:id="rId15"/>
+    <p:sldId id="269" r:id="rId16"/>
+    <p:sldId id="268" r:id="rId17"/>
   </p:sldIdLst>
   <p:sldSz cx="12192000" cy="6858000"/>
   <p:notesSz cx="6858000" cy="9144000"/>
@@ -272,7 +274,7 @@
           <a:p>
             <a:fld id="{E1D8FA4E-4CD5-0B4E-B010-1DCF501BAA5F}" type="datetimeFigureOut">
               <a:rPr lang="en-US" smtClean="0"/>
-              <a:t>7/27/23</a:t>
+              <a:t>8/28/23</a:t>
             </a:fld>
             <a:endParaRPr lang="en-US"/>
           </a:p>
@@ -470,7 +472,7 @@
           <a:p>
             <a:fld id="{E1D8FA4E-4CD5-0B4E-B010-1DCF501BAA5F}" type="datetimeFigureOut">
               <a:rPr lang="en-US" smtClean="0"/>
-              <a:t>7/27/23</a:t>
+              <a:t>8/28/23</a:t>
             </a:fld>
             <a:endParaRPr lang="en-US"/>
           </a:p>
@@ -678,7 +680,7 @@
           <a:p>
             <a:fld id="{E1D8FA4E-4CD5-0B4E-B010-1DCF501BAA5F}" type="datetimeFigureOut">
               <a:rPr lang="en-US" smtClean="0"/>
-              <a:t>7/27/23</a:t>
+              <a:t>8/28/23</a:t>
             </a:fld>
             <a:endParaRPr lang="en-US"/>
           </a:p>
@@ -876,7 +878,7 @@
           <a:p>
             <a:fld id="{E1D8FA4E-4CD5-0B4E-B010-1DCF501BAA5F}" type="datetimeFigureOut">
               <a:rPr lang="en-US" smtClean="0"/>
-              <a:t>7/27/23</a:t>
+              <a:t>8/28/23</a:t>
             </a:fld>
             <a:endParaRPr lang="en-US"/>
           </a:p>
@@ -1151,7 +1153,7 @@
           <a:p>
             <a:fld id="{E1D8FA4E-4CD5-0B4E-B010-1DCF501BAA5F}" type="datetimeFigureOut">
               <a:rPr lang="en-US" smtClean="0"/>
-              <a:t>7/27/23</a:t>
+              <a:t>8/28/23</a:t>
             </a:fld>
             <a:endParaRPr lang="en-US"/>
           </a:p>
@@ -1416,7 +1418,7 @@
           <a:p>
             <a:fld id="{E1D8FA4E-4CD5-0B4E-B010-1DCF501BAA5F}" type="datetimeFigureOut">
               <a:rPr lang="en-US" smtClean="0"/>
-              <a:t>7/27/23</a:t>
+              <a:t>8/28/23</a:t>
             </a:fld>
             <a:endParaRPr lang="en-US"/>
           </a:p>
@@ -1828,7 +1830,7 @@
           <a:p>
             <a:fld id="{E1D8FA4E-4CD5-0B4E-B010-1DCF501BAA5F}" type="datetimeFigureOut">
               <a:rPr lang="en-US" smtClean="0"/>
-              <a:t>7/27/23</a:t>
+              <a:t>8/28/23</a:t>
             </a:fld>
             <a:endParaRPr lang="en-US"/>
           </a:p>
@@ -1969,7 +1971,7 @@
           <a:p>
             <a:fld id="{E1D8FA4E-4CD5-0B4E-B010-1DCF501BAA5F}" type="datetimeFigureOut">
               <a:rPr lang="en-US" smtClean="0"/>
-              <a:t>7/27/23</a:t>
+              <a:t>8/28/23</a:t>
             </a:fld>
             <a:endParaRPr lang="en-US"/>
           </a:p>
@@ -2082,7 +2084,7 @@
           <a:p>
             <a:fld id="{E1D8FA4E-4CD5-0B4E-B010-1DCF501BAA5F}" type="datetimeFigureOut">
               <a:rPr lang="en-US" smtClean="0"/>
-              <a:t>7/27/23</a:t>
+              <a:t>8/28/23</a:t>
             </a:fld>
             <a:endParaRPr lang="en-US"/>
           </a:p>
@@ -2393,7 +2395,7 @@
           <a:p>
             <a:fld id="{E1D8FA4E-4CD5-0B4E-B010-1DCF501BAA5F}" type="datetimeFigureOut">
               <a:rPr lang="en-US" smtClean="0"/>
-              <a:t>7/27/23</a:t>
+              <a:t>8/28/23</a:t>
             </a:fld>
             <a:endParaRPr lang="en-US"/>
           </a:p>
@@ -2681,7 +2683,7 @@
           <a:p>
             <a:fld id="{E1D8FA4E-4CD5-0B4E-B010-1DCF501BAA5F}" type="datetimeFigureOut">
               <a:rPr lang="en-US" smtClean="0"/>
-              <a:t>7/27/23</a:t>
+              <a:t>8/28/23</a:t>
             </a:fld>
             <a:endParaRPr lang="en-US"/>
           </a:p>
@@ -2922,7 +2924,7 @@
           <a:p>
             <a:fld id="{E1D8FA4E-4CD5-0B4E-B010-1DCF501BAA5F}" type="datetimeFigureOut">
               <a:rPr lang="en-US" smtClean="0"/>
-              <a:t>7/27/23</a:t>
+              <a:t>8/28/23</a:t>
             </a:fld>
             <a:endParaRPr lang="en-US"/>
           </a:p>
@@ -3446,7 +3448,7 @@
           <p:cNvPr id="2" name="Title 1">
             <a:extLst>
               <a:ext uri="{FF2B5EF4-FFF2-40B4-BE49-F238E27FC236}">
-                <a16:creationId xmlns:a16="http://schemas.microsoft.com/office/drawing/2014/main" id="{E2C098D2-577E-B465-80C7-EBD1DF932574}"/>
+                <a16:creationId xmlns:a16="http://schemas.microsoft.com/office/drawing/2014/main" id="{3EF912F5-76C2-B3A4-B4DC-C85A4790EF35}"/>
               </a:ext>
             </a:extLst>
           </p:cNvPr>
@@ -3464,7 +3466,7 @@
           <a:p>
             <a:r>
               <a:rPr lang="en-US" dirty="0"/>
-              <a:t>Writing Python</a:t>
+              <a:t>Grading	</a:t>
             </a:r>
           </a:p>
         </p:txBody>
@@ -3474,7 +3476,7 @@
           <p:cNvPr id="3" name="Content Placeholder 2">
             <a:extLst>
               <a:ext uri="{FF2B5EF4-FFF2-40B4-BE49-F238E27FC236}">
-                <a16:creationId xmlns:a16="http://schemas.microsoft.com/office/drawing/2014/main" id="{87ED839A-9140-913C-D58C-E35537EFFC83}"/>
+                <a16:creationId xmlns:a16="http://schemas.microsoft.com/office/drawing/2014/main" id="{DF24DD0C-77FF-39AC-8242-CC4CB703FFDA}"/>
               </a:ext>
             </a:extLst>
           </p:cNvPr>
@@ -3485,76 +3487,139 @@
             <p:ph idx="1"/>
           </p:nvPr>
         </p:nvSpPr>
-        <p:spPr/>
+        <p:spPr>
+          <a:xfrm>
+            <a:off x="838200" y="1460500"/>
+            <a:ext cx="10515600" cy="5032375"/>
+          </a:xfrm>
+        </p:spPr>
         <p:txBody>
           <a:bodyPr>
-            <a:normAutofit fontScale="92500" lnSpcReduction="20000"/>
+            <a:normAutofit lnSpcReduction="10000"/>
           </a:bodyPr>
           <a:lstStyle/>
           <a:p>
             <a:r>
               <a:rPr lang="en-US" dirty="0"/>
-              <a:t>We will begin the semester writing short Python programs inside of web sites </a:t>
+              <a:t>This course uses “proficiency-based grading”</a:t>
             </a:r>
           </a:p>
           <a:p>
             <a:pPr lvl="1"/>
             <a:r>
               <a:rPr lang="en-US" dirty="0"/>
-              <a:t>Typically using notebooks</a:t>
-            </a:r>
-          </a:p>
-          <a:p>
-            <a:r>
-              <a:rPr lang="en-US" dirty="0"/>
-              <a:t>By the end of the semester, you will be  writing larger ”stand-alone” programs using an IDE (Integrated Development Environment)</a:t>
-            </a:r>
-          </a:p>
-          <a:p>
-            <a:r>
-              <a:rPr lang="en-US" dirty="0"/>
-              <a:t>It is important to be comfortable with both web-based programming and using an IDE</a:t>
+              <a:t>You don’t get ”points” for completing work</a:t>
             </a:r>
           </a:p>
           <a:p>
             <a:pPr lvl="1"/>
             <a:r>
               <a:rPr lang="en-US" dirty="0"/>
-              <a:t>Some of you will be working with non-computing professionals that primarily work in notebooks</a:t>
+              <a:t>Projects are marked with one of </a:t>
+            </a:r>
+          </a:p>
+          <a:p>
+            <a:pPr lvl="2"/>
+            <a:r>
+              <a:rPr lang="en-US" i="1" dirty="0"/>
+              <a:t>E</a:t>
+            </a:r>
+            <a:r>
+              <a:rPr lang="en-US" dirty="0"/>
+              <a:t>xceeds Expectations</a:t>
+            </a:r>
+          </a:p>
+          <a:p>
+            <a:pPr lvl="2"/>
+            <a:r>
+              <a:rPr lang="en-US" i="1" dirty="0"/>
+              <a:t>M</a:t>
+            </a:r>
+            <a:r>
+              <a:rPr lang="en-US" dirty="0"/>
+              <a:t>eets Expectations</a:t>
+            </a:r>
+          </a:p>
+          <a:p>
+            <a:pPr lvl="2"/>
+            <a:r>
+              <a:rPr lang="en-US" i="1" dirty="0"/>
+              <a:t>P</a:t>
+            </a:r>
+            <a:r>
+              <a:rPr lang="en-US" dirty="0"/>
+              <a:t>rogressing, or</a:t>
+            </a:r>
+          </a:p>
+          <a:p>
+            <a:pPr lvl="2"/>
+            <a:r>
+              <a:rPr lang="en-US" i="1" dirty="0"/>
+              <a:t>N</a:t>
+            </a:r>
+            <a:r>
+              <a:rPr lang="en-US" dirty="0"/>
+              <a:t>ot Yet</a:t>
             </a:r>
           </a:p>
           <a:p>
             <a:pPr lvl="1"/>
             <a:r>
               <a:rPr lang="en-US" dirty="0"/>
-              <a:t>Many of you will be doing software development using a ”full”, “professional” IDE.</a:t>
-            </a:r>
-          </a:p>
-          <a:p>
-            <a:r>
-              <a:rPr lang="en-US" dirty="0"/>
-              <a:t>You can use whatever IDE you like (</a:t>
-            </a:r>
-            <a:r>
-              <a:rPr lang="en-US" dirty="0" err="1"/>
-              <a:t>VSCode</a:t>
-            </a:r>
-            <a:r>
-              <a:rPr lang="en-US" dirty="0"/>
-              <a:t>, PyCharm, IDLE, Notepad and the command line).</a:t>
+              <a:t>You are expected to resubmit a project until you earn an E or an M</a:t>
             </a:r>
           </a:p>
           <a:p>
             <a:pPr lvl="1"/>
             <a:r>
               <a:rPr lang="en-US" dirty="0"/>
-              <a:t>I will use VS Code in class.</a:t>
-            </a:r>
-          </a:p>
-          <a:p>
-            <a:endParaRPr lang="en-US" dirty="0"/>
-          </a:p>
-          <a:p>
+              <a:t>Test/Quiz questions are marked </a:t>
+            </a:r>
+            <a:r>
+              <a:rPr lang="en-US" i="1" dirty="0"/>
+              <a:t>Success</a:t>
+            </a:r>
+            <a:r>
+              <a:rPr lang="en-US" dirty="0"/>
+              <a:t> or </a:t>
+            </a:r>
+            <a:r>
+              <a:rPr lang="en-US" i="1" dirty="0"/>
+              <a:t>Retry</a:t>
+            </a:r>
+          </a:p>
+          <a:p>
+            <a:pPr lvl="1"/>
+            <a:r>
+              <a:rPr lang="en-US" dirty="0"/>
+              <a:t>You will have multiple opportunities to successfully complete quiz questions on a given topic</a:t>
+            </a:r>
+          </a:p>
+          <a:p>
+            <a:pPr lvl="2"/>
+            <a:r>
+              <a:rPr lang="en-US" dirty="0"/>
+              <a:t>Unsuccessful attempts don’t count against you</a:t>
+            </a:r>
+          </a:p>
+          <a:p>
+            <a:pPr lvl="2"/>
+            <a:r>
+              <a:rPr lang="en-US" dirty="0"/>
+              <a:t>Need to be successful on two separate quizzes to get credit for a topic</a:t>
+            </a:r>
+          </a:p>
+          <a:p>
+            <a:pPr lvl="1"/>
+            <a:r>
+              <a:rPr lang="en-US" dirty="0"/>
+              <a:t>Your final grade depends on the number of topics you acquire proficiency in.</a:t>
+            </a:r>
+          </a:p>
+          <a:p>
+            <a:pPr marL="457200" lvl="1" indent="0">
+              <a:buNone/>
+            </a:pPr>
             <a:endParaRPr lang="en-US" dirty="0"/>
           </a:p>
         </p:txBody>
@@ -3562,7 +3627,7 @@
     </p:spTree>
     <p:extLst>
       <p:ext uri="{BB962C8B-B14F-4D97-AF65-F5344CB8AC3E}">
-        <p14:creationId xmlns:p14="http://schemas.microsoft.com/office/powerpoint/2010/main" val="2616939265"/>
+        <p14:creationId xmlns:p14="http://schemas.microsoft.com/office/powerpoint/2010/main" val="478519154"/>
       </p:ext>
     </p:extLst>
   </p:cSld>
@@ -3594,7 +3659,7 @@
           <p:cNvPr id="2" name="Title 1">
             <a:extLst>
               <a:ext uri="{FF2B5EF4-FFF2-40B4-BE49-F238E27FC236}">
-                <a16:creationId xmlns:a16="http://schemas.microsoft.com/office/drawing/2014/main" id="{2D0359B7-F69F-0CE3-C054-D84E8D4E888F}"/>
+                <a16:creationId xmlns:a16="http://schemas.microsoft.com/office/drawing/2014/main" id="{82395829-E76E-D758-BDF7-4D88CFCB178A}"/>
               </a:ext>
             </a:extLst>
           </p:cNvPr>
@@ -3612,7 +3677,7 @@
           <a:p>
             <a:r>
               <a:rPr lang="en-US" dirty="0"/>
-              <a:t>Platform/Computer Support</a:t>
+              <a:t>Why Python?</a:t>
             </a:r>
           </a:p>
         </p:txBody>
@@ -3622,7 +3687,7 @@
           <p:cNvPr id="3" name="Content Placeholder 2">
             <a:extLst>
               <a:ext uri="{FF2B5EF4-FFF2-40B4-BE49-F238E27FC236}">
-                <a16:creationId xmlns:a16="http://schemas.microsoft.com/office/drawing/2014/main" id="{143F6B1C-8AFF-C96A-FA1F-4269E29B5631}"/>
+                <a16:creationId xmlns:a16="http://schemas.microsoft.com/office/drawing/2014/main" id="{483548D8-6A60-61A0-BE60-11348C526BAD}"/>
               </a:ext>
             </a:extLst>
           </p:cNvPr>
@@ -3635,123 +3700,61 @@
         </p:nvSpPr>
         <p:spPr/>
         <p:txBody>
-          <a:bodyPr>
-            <a:normAutofit fontScale="92500" lnSpcReduction="20000"/>
-          </a:bodyPr>
-          <a:lstStyle/>
-          <a:p>
-            <a:r>
-              <a:rPr lang="en-US" dirty="0">
-                <a:solidFill>
-                  <a:srgbClr val="000000"/>
-                </a:solidFill>
-              </a:rPr>
-              <a:t>You h</a:t>
-            </a:r>
-            <a:r>
-              <a:rPr lang="en-US" b="0" dirty="0">
-                <a:solidFill>
-                  <a:srgbClr val="000000"/>
-                </a:solidFill>
-                <a:effectLst/>
-              </a:rPr>
-              <a:t>ave access to GVSU labs with Windows computers. </a:t>
+          <a:bodyPr/>
+          <a:lstStyle/>
+          <a:p>
+            <a:r>
+              <a:rPr lang="en-US" dirty="0"/>
+              <a:t>Easy to learn</a:t>
             </a:r>
           </a:p>
           <a:p>
             <a:pPr lvl="1"/>
             <a:r>
-              <a:rPr lang="en-US" b="0" dirty="0">
-                <a:solidFill>
-                  <a:srgbClr val="000000"/>
-                </a:solidFill>
-                <a:effectLst/>
-              </a:rPr>
-              <a:t>These machines have Python installed. </a:t>
+              <a:rPr lang="en-US" dirty="0"/>
+              <a:t>Becoming a very popular first programming language</a:t>
             </a:r>
           </a:p>
           <a:p>
             <a:pPr lvl="1"/>
             <a:r>
-              <a:rPr lang="en-US" b="0" dirty="0">
-                <a:solidFill>
-                  <a:srgbClr val="000000"/>
-                </a:solidFill>
-                <a:effectLst/>
-              </a:rPr>
-              <a:t>We are responsible for making sure that you can complete your assignments on these machines. </a:t>
-            </a:r>
-          </a:p>
-          <a:p>
-            <a:r>
-              <a:rPr lang="en-US" b="0" dirty="0">
-                <a:solidFill>
-                  <a:srgbClr val="000000"/>
-                </a:solidFill>
-                <a:effectLst/>
-              </a:rPr>
-              <a:t>I can’t fix problems on your individual laptops. </a:t>
+              <a:rPr lang="en-US" dirty="0"/>
+              <a:t>GVSU switched CS 1 from Java to Python in 2022</a:t>
+            </a:r>
+          </a:p>
+          <a:p>
+            <a:r>
+              <a:rPr lang="en-US" dirty="0"/>
+              <a:t>Commonly used in the sciences</a:t>
             </a:r>
           </a:p>
           <a:p>
             <a:pPr lvl="1"/>
             <a:r>
-              <a:rPr lang="en-US" b="0" dirty="0">
-                <a:solidFill>
-                  <a:srgbClr val="000000"/>
-                </a:solidFill>
-                <a:effectLst/>
-              </a:rPr>
-              <a:t>There is too much variation among them. </a:t>
+              <a:rPr lang="en-US" dirty="0"/>
+              <a:t>Physics, chemistry, biology, math, etc.</a:t>
+            </a:r>
+          </a:p>
+          <a:p>
+            <a:r>
+              <a:rPr lang="en-US" dirty="0"/>
+              <a:t>Many, many libraries</a:t>
+            </a:r>
+          </a:p>
+          <a:p>
+            <a:r>
+              <a:rPr lang="en-US" dirty="0"/>
+              <a:t>Free and easy to install</a:t>
+            </a:r>
+          </a:p>
+          <a:p>
+            <a:r>
+              <a:rPr lang="en-US" dirty="0"/>
+              <a:t>Can even write / run python code in a web browser</a:t>
             </a:r>
           </a:p>
           <a:p>
             <a:pPr lvl="1"/>
-            <a:r>
-              <a:rPr lang="en-US" b="0" dirty="0">
-                <a:solidFill>
-                  <a:srgbClr val="000000"/>
-                </a:solidFill>
-                <a:effectLst/>
-              </a:rPr>
-              <a:t>I’m not trained in IT</a:t>
-            </a:r>
-          </a:p>
-          <a:p>
-            <a:pPr lvl="1"/>
-            <a:r>
-              <a:rPr lang="en-US" b="0" dirty="0">
-                <a:solidFill>
-                  <a:srgbClr val="000000"/>
-                </a:solidFill>
-                <a:effectLst/>
-              </a:rPr>
-              <a:t>I have been using macOS for almost 30 years now. I do not know Windows well -- and certainly not well enough to provide effective tech support.</a:t>
-            </a:r>
-          </a:p>
-          <a:p>
-            <a:r>
-              <a:rPr lang="en-US" b="0" dirty="0">
-                <a:solidFill>
-                  <a:srgbClr val="000000"/>
-                </a:solidFill>
-                <a:effectLst/>
-              </a:rPr>
-              <a:t>You are welcome to set up Python on your own machine however you like. Just realize that if things go wrong, I probably won't be of much help. </a:t>
-            </a:r>
-          </a:p>
-          <a:p>
-            <a:r>
-              <a:rPr lang="en-US" b="0" dirty="0">
-                <a:solidFill>
-                  <a:srgbClr val="000000"/>
-                </a:solidFill>
-                <a:effectLst/>
-              </a:rPr>
-              <a:t>If you ever have a problem with your own machine, you can always use GVSU machines.</a:t>
-            </a:r>
-          </a:p>
-          <a:p>
             <a:endParaRPr lang="en-US" dirty="0"/>
           </a:p>
         </p:txBody>
@@ -3759,7 +3762,7 @@
     </p:spTree>
     <p:extLst>
       <p:ext uri="{BB962C8B-B14F-4D97-AF65-F5344CB8AC3E}">
-        <p14:creationId xmlns:p14="http://schemas.microsoft.com/office/powerpoint/2010/main" val="1821373851"/>
+        <p14:creationId xmlns:p14="http://schemas.microsoft.com/office/powerpoint/2010/main" val="4065333939"/>
       </p:ext>
     </p:extLst>
   </p:cSld>
@@ -3791,7 +3794,7 @@
           <p:cNvPr id="2" name="Title 1">
             <a:extLst>
               <a:ext uri="{FF2B5EF4-FFF2-40B4-BE49-F238E27FC236}">
-                <a16:creationId xmlns:a16="http://schemas.microsoft.com/office/drawing/2014/main" id="{5EC7ECC1-08EE-DF24-1D42-1FFC92CD63B4}"/>
+                <a16:creationId xmlns:a16="http://schemas.microsoft.com/office/drawing/2014/main" id="{E2C098D2-577E-B465-80C7-EBD1DF932574}"/>
               </a:ext>
             </a:extLst>
           </p:cNvPr>
@@ -3809,7 +3812,7 @@
           <a:p>
             <a:r>
               <a:rPr lang="en-US" dirty="0"/>
-              <a:t>Notebooks</a:t>
+              <a:t>Writing Python</a:t>
             </a:r>
           </a:p>
         </p:txBody>
@@ -3819,7 +3822,7 @@
           <p:cNvPr id="3" name="Content Placeholder 2">
             <a:extLst>
               <a:ext uri="{FF2B5EF4-FFF2-40B4-BE49-F238E27FC236}">
-                <a16:creationId xmlns:a16="http://schemas.microsoft.com/office/drawing/2014/main" id="{990A7CDD-4944-29DE-6E34-47ED6F6BE898}"/>
+                <a16:creationId xmlns:a16="http://schemas.microsoft.com/office/drawing/2014/main" id="{87ED839A-9140-913C-D58C-E35537EFFC83}"/>
               </a:ext>
             </a:extLst>
           </p:cNvPr>
@@ -3830,114 +3833,76 @@
             <p:ph idx="1"/>
           </p:nvPr>
         </p:nvSpPr>
-        <p:spPr>
-          <a:xfrm>
-            <a:off x="410817" y="1825624"/>
-            <a:ext cx="11502887" cy="5032375"/>
-          </a:xfrm>
-        </p:spPr>
+        <p:spPr/>
         <p:txBody>
           <a:bodyPr>
-            <a:normAutofit/>
+            <a:normAutofit fontScale="92500" lnSpcReduction="20000"/>
           </a:bodyPr>
           <a:lstStyle/>
           <a:p>
             <a:r>
               <a:rPr lang="en-US" dirty="0"/>
-              <a:t>There are many web sites that allow you to enter and run Python code</a:t>
+              <a:t>We will begin the semester writing short Python programs inside of web sites </a:t>
             </a:r>
           </a:p>
           <a:p>
             <a:pPr lvl="1"/>
             <a:r>
               <a:rPr lang="en-US" dirty="0"/>
-              <a:t>W3schools</a:t>
+              <a:t>Typically using notebooks</a:t>
+            </a:r>
+          </a:p>
+          <a:p>
+            <a:r>
+              <a:rPr lang="en-US" dirty="0"/>
+              <a:t>By the end of the semester, you will be  writing larger ”stand-alone” programs using an IDE (Integrated Development Environment)</a:t>
+            </a:r>
+          </a:p>
+          <a:p>
+            <a:r>
+              <a:rPr lang="en-US" dirty="0"/>
+              <a:t>It is important to be comfortable with both web-based programming and using an IDE</a:t>
             </a:r>
           </a:p>
           <a:p>
             <a:pPr lvl="1"/>
             <a:r>
+              <a:rPr lang="en-US" dirty="0"/>
+              <a:t>Some of you will be working with non-computing professionals that primarily work in notebooks</a:t>
+            </a:r>
+          </a:p>
+          <a:p>
+            <a:pPr lvl="1"/>
+            <a:r>
+              <a:rPr lang="en-US" dirty="0"/>
+              <a:t>Many of you will be doing software development using a ”full”, “professional” IDE.</a:t>
+            </a:r>
+          </a:p>
+          <a:p>
+            <a:r>
+              <a:rPr lang="en-US" dirty="0"/>
+              <a:t>You can use whatever IDE you like (</a:t>
+            </a:r>
+            <a:r>
               <a:rPr lang="en-US" dirty="0" err="1"/>
-              <a:t>Repl.it</a:t>
-            </a:r>
+              <a:t>VSCode</a:t>
+            </a:r>
+            <a:r>
+              <a:rPr lang="en-US" dirty="0"/>
+              <a:t>, PyCharm, IDLE, Notepad and the command line).</a:t>
+            </a:r>
+          </a:p>
+          <a:p>
+            <a:pPr lvl="1"/>
+            <a:r>
+              <a:rPr lang="en-US" dirty="0"/>
+              <a:t>I will use VS Code in class.</a:t>
+            </a:r>
+          </a:p>
+          <a:p>
             <a:endParaRPr lang="en-US" dirty="0"/>
           </a:p>
           <a:p>
-            <a:r>
-              <a:rPr lang="en-US" dirty="0"/>
-              <a:t>One style of such “online Python” is the </a:t>
-            </a:r>
-            <a:r>
-              <a:rPr lang="en-US" i="1" dirty="0"/>
-              <a:t>Notebook</a:t>
-            </a:r>
-          </a:p>
-          <a:p>
-            <a:r>
-              <a:rPr lang="en-US" dirty="0"/>
-              <a:t>Notebooks allow you to combine text (in Markdown format) with blocks of code</a:t>
-            </a:r>
-          </a:p>
-          <a:p>
-            <a:pPr lvl="1"/>
-            <a:r>
-              <a:rPr lang="en-US" dirty="0" err="1"/>
-              <a:t>Jupyter</a:t>
-            </a:r>
-            <a:r>
-              <a:rPr lang="en-US" dirty="0"/>
-              <a:t> Notebooks</a:t>
-            </a:r>
-          </a:p>
-          <a:p>
-            <a:pPr lvl="1"/>
-            <a:r>
-              <a:rPr lang="en-US" dirty="0"/>
-              <a:t>Google </a:t>
-            </a:r>
-            <a:r>
-              <a:rPr lang="en-US" dirty="0" err="1"/>
-              <a:t>Colab</a:t>
-            </a:r>
-            <a:endParaRPr lang="en-US" dirty="0"/>
-          </a:p>
-          <a:p>
-            <a:r>
-              <a:rPr lang="en-US" dirty="0"/>
-              <a:t>We will use the Notebook feature built into </a:t>
-            </a:r>
-            <a:r>
-              <a:rPr lang="en-US" dirty="0" err="1"/>
-              <a:t>PrairieLearn</a:t>
-            </a:r>
-            <a:endParaRPr lang="en-US" dirty="0"/>
-          </a:p>
-          <a:p>
-            <a:pPr lvl="1"/>
-            <a:r>
-              <a:rPr lang="en-US" dirty="0"/>
-              <a:t>Essentially the same as </a:t>
-            </a:r>
-            <a:r>
-              <a:rPr lang="en-US" dirty="0" err="1"/>
-              <a:t>jupyter</a:t>
-            </a:r>
-            <a:r>
-              <a:rPr lang="en-US" dirty="0"/>
-              <a:t> or </a:t>
-            </a:r>
-            <a:r>
-              <a:rPr lang="en-US" dirty="0" err="1"/>
-              <a:t>colab</a:t>
-            </a:r>
-            <a:r>
-              <a:rPr lang="en-US" dirty="0"/>
-              <a:t>; but, organized so I can access/</a:t>
-            </a:r>
-            <a:r>
-              <a:rPr lang="en-US"/>
-              <a:t>grade them</a:t>
-            </a:r>
             <a:endParaRPr lang="en-US" dirty="0"/>
           </a:p>
         </p:txBody>
@@ -3945,7 +3910,7 @@
     </p:spTree>
     <p:extLst>
       <p:ext uri="{BB962C8B-B14F-4D97-AF65-F5344CB8AC3E}">
-        <p14:creationId xmlns:p14="http://schemas.microsoft.com/office/powerpoint/2010/main" val="3016823490"/>
+        <p14:creationId xmlns:p14="http://schemas.microsoft.com/office/powerpoint/2010/main" val="2616939265"/>
       </p:ext>
     </p:extLst>
   </p:cSld>
@@ -3977,6 +3942,389 @@
           <p:cNvPr id="2" name="Title 1">
             <a:extLst>
               <a:ext uri="{FF2B5EF4-FFF2-40B4-BE49-F238E27FC236}">
+                <a16:creationId xmlns:a16="http://schemas.microsoft.com/office/drawing/2014/main" id="{2D0359B7-F69F-0CE3-C054-D84E8D4E888F}"/>
+              </a:ext>
+            </a:extLst>
+          </p:cNvPr>
+          <p:cNvSpPr>
+            <a:spLocks noGrp="1"/>
+          </p:cNvSpPr>
+          <p:nvPr>
+            <p:ph type="title"/>
+          </p:nvPr>
+        </p:nvSpPr>
+        <p:spPr/>
+        <p:txBody>
+          <a:bodyPr/>
+          <a:lstStyle/>
+          <a:p>
+            <a:r>
+              <a:rPr lang="en-US" dirty="0"/>
+              <a:t>Platform/Computer Support</a:t>
+            </a:r>
+          </a:p>
+        </p:txBody>
+      </p:sp>
+      <p:sp>
+        <p:nvSpPr>
+          <p:cNvPr id="3" name="Content Placeholder 2">
+            <a:extLst>
+              <a:ext uri="{FF2B5EF4-FFF2-40B4-BE49-F238E27FC236}">
+                <a16:creationId xmlns:a16="http://schemas.microsoft.com/office/drawing/2014/main" id="{143F6B1C-8AFF-C96A-FA1F-4269E29B5631}"/>
+              </a:ext>
+            </a:extLst>
+          </p:cNvPr>
+          <p:cNvSpPr>
+            <a:spLocks noGrp="1"/>
+          </p:cNvSpPr>
+          <p:nvPr>
+            <p:ph idx="1"/>
+          </p:nvPr>
+        </p:nvSpPr>
+        <p:spPr/>
+        <p:txBody>
+          <a:bodyPr>
+            <a:normAutofit fontScale="92500" lnSpcReduction="20000"/>
+          </a:bodyPr>
+          <a:lstStyle/>
+          <a:p>
+            <a:r>
+              <a:rPr lang="en-US" dirty="0">
+                <a:solidFill>
+                  <a:srgbClr val="000000"/>
+                </a:solidFill>
+              </a:rPr>
+              <a:t>You h</a:t>
+            </a:r>
+            <a:r>
+              <a:rPr lang="en-US" b="0" dirty="0">
+                <a:solidFill>
+                  <a:srgbClr val="000000"/>
+                </a:solidFill>
+                <a:effectLst/>
+              </a:rPr>
+              <a:t>ave access to GVSU labs with Windows computers. </a:t>
+            </a:r>
+          </a:p>
+          <a:p>
+            <a:pPr lvl="1"/>
+            <a:r>
+              <a:rPr lang="en-US" b="0" dirty="0">
+                <a:solidFill>
+                  <a:srgbClr val="000000"/>
+                </a:solidFill>
+                <a:effectLst/>
+              </a:rPr>
+              <a:t>These machines have Python installed. </a:t>
+            </a:r>
+          </a:p>
+          <a:p>
+            <a:pPr lvl="1"/>
+            <a:r>
+              <a:rPr lang="en-US" b="0" dirty="0">
+                <a:solidFill>
+                  <a:srgbClr val="000000"/>
+                </a:solidFill>
+                <a:effectLst/>
+              </a:rPr>
+              <a:t>We are responsible for making sure that you can complete your assignments on these machines. </a:t>
+            </a:r>
+          </a:p>
+          <a:p>
+            <a:r>
+              <a:rPr lang="en-US" b="0" dirty="0">
+                <a:solidFill>
+                  <a:srgbClr val="000000"/>
+                </a:solidFill>
+                <a:effectLst/>
+              </a:rPr>
+              <a:t>I can’t fix problems on your individual laptops. </a:t>
+            </a:r>
+          </a:p>
+          <a:p>
+            <a:pPr lvl="1"/>
+            <a:r>
+              <a:rPr lang="en-US" b="0" dirty="0">
+                <a:solidFill>
+                  <a:srgbClr val="000000"/>
+                </a:solidFill>
+                <a:effectLst/>
+              </a:rPr>
+              <a:t>There is too much variation among them. </a:t>
+            </a:r>
+          </a:p>
+          <a:p>
+            <a:pPr lvl="1"/>
+            <a:r>
+              <a:rPr lang="en-US" b="0" dirty="0">
+                <a:solidFill>
+                  <a:srgbClr val="000000"/>
+                </a:solidFill>
+                <a:effectLst/>
+              </a:rPr>
+              <a:t>I’m not trained in IT</a:t>
+            </a:r>
+          </a:p>
+          <a:p>
+            <a:pPr lvl="1"/>
+            <a:r>
+              <a:rPr lang="en-US" b="0" dirty="0">
+                <a:solidFill>
+                  <a:srgbClr val="000000"/>
+                </a:solidFill>
+                <a:effectLst/>
+              </a:rPr>
+              <a:t>I have been using macOS for almost 30 years now. I do not know Windows well -- and certainly not well enough to provide effective tech support.</a:t>
+            </a:r>
+          </a:p>
+          <a:p>
+            <a:r>
+              <a:rPr lang="en-US" b="0" dirty="0">
+                <a:solidFill>
+                  <a:srgbClr val="000000"/>
+                </a:solidFill>
+                <a:effectLst/>
+              </a:rPr>
+              <a:t>You are welcome to set up Python on your own machine however you like. Just realize that if things go wrong, I probably won't be of much help. </a:t>
+            </a:r>
+          </a:p>
+          <a:p>
+            <a:r>
+              <a:rPr lang="en-US" b="0" dirty="0">
+                <a:solidFill>
+                  <a:srgbClr val="000000"/>
+                </a:solidFill>
+                <a:effectLst/>
+              </a:rPr>
+              <a:t>If you ever have a problem with your own machine, you can always use GVSU machines.</a:t>
+            </a:r>
+          </a:p>
+          <a:p>
+            <a:endParaRPr lang="en-US" dirty="0"/>
+          </a:p>
+        </p:txBody>
+      </p:sp>
+    </p:spTree>
+    <p:extLst>
+      <p:ext uri="{BB962C8B-B14F-4D97-AF65-F5344CB8AC3E}">
+        <p14:creationId xmlns:p14="http://schemas.microsoft.com/office/powerpoint/2010/main" val="1821373851"/>
+      </p:ext>
+    </p:extLst>
+  </p:cSld>
+  <p:clrMapOvr>
+    <a:masterClrMapping/>
+  </p:clrMapOvr>
+</p:sld>
+</file>
+
+<file path=ppt/slides/slide14.xml><?xml version="1.0" encoding="utf-8"?>
+<p:sld xmlns:a="http://schemas.openxmlformats.org/drawingml/2006/main" xmlns:r="http://schemas.openxmlformats.org/officeDocument/2006/relationships" xmlns:p="http://schemas.openxmlformats.org/presentationml/2006/main">
+  <p:cSld>
+    <p:spTree>
+      <p:nvGrpSpPr>
+        <p:cNvPr id="1" name=""/>
+        <p:cNvGrpSpPr/>
+        <p:nvPr/>
+      </p:nvGrpSpPr>
+      <p:grpSpPr>
+        <a:xfrm>
+          <a:off x="0" y="0"/>
+          <a:ext cx="0" cy="0"/>
+          <a:chOff x="0" y="0"/>
+          <a:chExt cx="0" cy="0"/>
+        </a:xfrm>
+      </p:grpSpPr>
+      <p:sp>
+        <p:nvSpPr>
+          <p:cNvPr id="2" name="Title 1">
+            <a:extLst>
+              <a:ext uri="{FF2B5EF4-FFF2-40B4-BE49-F238E27FC236}">
+                <a16:creationId xmlns:a16="http://schemas.microsoft.com/office/drawing/2014/main" id="{5EC7ECC1-08EE-DF24-1D42-1FFC92CD63B4}"/>
+              </a:ext>
+            </a:extLst>
+          </p:cNvPr>
+          <p:cNvSpPr>
+            <a:spLocks noGrp="1"/>
+          </p:cNvSpPr>
+          <p:nvPr>
+            <p:ph type="title"/>
+          </p:nvPr>
+        </p:nvSpPr>
+        <p:spPr/>
+        <p:txBody>
+          <a:bodyPr/>
+          <a:lstStyle/>
+          <a:p>
+            <a:r>
+              <a:rPr lang="en-US" dirty="0"/>
+              <a:t>Notebooks</a:t>
+            </a:r>
+          </a:p>
+        </p:txBody>
+      </p:sp>
+      <p:sp>
+        <p:nvSpPr>
+          <p:cNvPr id="3" name="Content Placeholder 2">
+            <a:extLst>
+              <a:ext uri="{FF2B5EF4-FFF2-40B4-BE49-F238E27FC236}">
+                <a16:creationId xmlns:a16="http://schemas.microsoft.com/office/drawing/2014/main" id="{990A7CDD-4944-29DE-6E34-47ED6F6BE898}"/>
+              </a:ext>
+            </a:extLst>
+          </p:cNvPr>
+          <p:cNvSpPr>
+            <a:spLocks noGrp="1"/>
+          </p:cNvSpPr>
+          <p:nvPr>
+            <p:ph idx="1"/>
+          </p:nvPr>
+        </p:nvSpPr>
+        <p:spPr>
+          <a:xfrm>
+            <a:off x="410817" y="1825624"/>
+            <a:ext cx="11502887" cy="5032375"/>
+          </a:xfrm>
+        </p:spPr>
+        <p:txBody>
+          <a:bodyPr>
+            <a:normAutofit/>
+          </a:bodyPr>
+          <a:lstStyle/>
+          <a:p>
+            <a:r>
+              <a:rPr lang="en-US" dirty="0"/>
+              <a:t>There are many web sites that allow you to enter and run Python code</a:t>
+            </a:r>
+          </a:p>
+          <a:p>
+            <a:pPr lvl="1"/>
+            <a:r>
+              <a:rPr lang="en-US" dirty="0"/>
+              <a:t>W3schools</a:t>
+            </a:r>
+          </a:p>
+          <a:p>
+            <a:pPr lvl="1"/>
+            <a:r>
+              <a:rPr lang="en-US" dirty="0" err="1"/>
+              <a:t>Repl.it</a:t>
+            </a:r>
+            <a:endParaRPr lang="en-US" dirty="0"/>
+          </a:p>
+          <a:p>
+            <a:r>
+              <a:rPr lang="en-US" dirty="0"/>
+              <a:t>One style of such “online Python” is the </a:t>
+            </a:r>
+            <a:r>
+              <a:rPr lang="en-US" i="1" dirty="0"/>
+              <a:t>Notebook</a:t>
+            </a:r>
+          </a:p>
+          <a:p>
+            <a:r>
+              <a:rPr lang="en-US" dirty="0"/>
+              <a:t>Notebooks allow you to combine text (in Markdown format) with blocks of code</a:t>
+            </a:r>
+          </a:p>
+          <a:p>
+            <a:pPr lvl="1"/>
+            <a:r>
+              <a:rPr lang="en-US" dirty="0" err="1"/>
+              <a:t>Jupyter</a:t>
+            </a:r>
+            <a:r>
+              <a:rPr lang="en-US" dirty="0"/>
+              <a:t> Notebooks</a:t>
+            </a:r>
+          </a:p>
+          <a:p>
+            <a:pPr lvl="1"/>
+            <a:r>
+              <a:rPr lang="en-US" dirty="0"/>
+              <a:t>Google </a:t>
+            </a:r>
+            <a:r>
+              <a:rPr lang="en-US" dirty="0" err="1"/>
+              <a:t>Colab</a:t>
+            </a:r>
+            <a:endParaRPr lang="en-US" dirty="0"/>
+          </a:p>
+          <a:p>
+            <a:r>
+              <a:rPr lang="en-US" dirty="0"/>
+              <a:t>We will use the Notebook feature built into </a:t>
+            </a:r>
+            <a:r>
+              <a:rPr lang="en-US" dirty="0" err="1"/>
+              <a:t>PrairieLearn</a:t>
+            </a:r>
+            <a:endParaRPr lang="en-US" dirty="0"/>
+          </a:p>
+          <a:p>
+            <a:pPr lvl="1"/>
+            <a:r>
+              <a:rPr lang="en-US" dirty="0"/>
+              <a:t>Essentially the same as </a:t>
+            </a:r>
+            <a:r>
+              <a:rPr lang="en-US" dirty="0" err="1"/>
+              <a:t>jupyter</a:t>
+            </a:r>
+            <a:r>
+              <a:rPr lang="en-US" dirty="0"/>
+              <a:t> or </a:t>
+            </a:r>
+            <a:r>
+              <a:rPr lang="en-US" dirty="0" err="1"/>
+              <a:t>colab</a:t>
+            </a:r>
+            <a:r>
+              <a:rPr lang="en-US" dirty="0"/>
+              <a:t>; but, organized so I can access/</a:t>
+            </a:r>
+            <a:r>
+              <a:rPr lang="en-US"/>
+              <a:t>grade them</a:t>
+            </a:r>
+            <a:endParaRPr lang="en-US" dirty="0"/>
+          </a:p>
+        </p:txBody>
+      </p:sp>
+    </p:spTree>
+    <p:extLst>
+      <p:ext uri="{BB962C8B-B14F-4D97-AF65-F5344CB8AC3E}">
+        <p14:creationId xmlns:p14="http://schemas.microsoft.com/office/powerpoint/2010/main" val="3016823490"/>
+      </p:ext>
+    </p:extLst>
+  </p:cSld>
+  <p:clrMapOvr>
+    <a:masterClrMapping/>
+  </p:clrMapOvr>
+</p:sld>
+</file>
+
+<file path=ppt/slides/slide15.xml><?xml version="1.0" encoding="utf-8"?>
+<p:sld xmlns:a="http://schemas.openxmlformats.org/drawingml/2006/main" xmlns:r="http://schemas.openxmlformats.org/officeDocument/2006/relationships" xmlns:p="http://schemas.openxmlformats.org/presentationml/2006/main">
+  <p:cSld>
+    <p:spTree>
+      <p:nvGrpSpPr>
+        <p:cNvPr id="1" name=""/>
+        <p:cNvGrpSpPr/>
+        <p:nvPr/>
+      </p:nvGrpSpPr>
+      <p:grpSpPr>
+        <a:xfrm>
+          <a:off x="0" y="0"/>
+          <a:ext cx="0" cy="0"/>
+          <a:chOff x="0" y="0"/>
+          <a:chExt cx="0" cy="0"/>
+        </a:xfrm>
+      </p:grpSpPr>
+      <p:sp>
+        <p:nvSpPr>
+          <p:cNvPr id="2" name="Title 1">
+            <a:extLst>
+              <a:ext uri="{FF2B5EF4-FFF2-40B4-BE49-F238E27FC236}">
                 <a16:creationId xmlns:a16="http://schemas.microsoft.com/office/drawing/2014/main" id="{AAA7A4A6-ED1B-906A-D533-FDEE92F390B3}"/>
               </a:ext>
             </a:extLst>
@@ -4094,7 +4442,7 @@
 </p:sld>
 </file>
 
-<file path=ppt/slides/slide14.xml><?xml version="1.0" encoding="utf-8"?>
+<file path=ppt/slides/slide16.xml><?xml version="1.0" encoding="utf-8"?>
 <p:sld xmlns:a="http://schemas.openxmlformats.org/drawingml/2006/main" xmlns:r="http://schemas.openxmlformats.org/officeDocument/2006/relationships" xmlns:p="http://schemas.openxmlformats.org/presentationml/2006/main">
   <p:cSld>
     <p:spTree>
@@ -6147,7 +6495,7 @@
           <p:cNvPr id="2" name="Title 1">
             <a:extLst>
               <a:ext uri="{FF2B5EF4-FFF2-40B4-BE49-F238E27FC236}">
-                <a16:creationId xmlns:a16="http://schemas.microsoft.com/office/drawing/2014/main" id="{3EF912F5-76C2-B3A4-B4DC-C85A4790EF35}"/>
+                <a16:creationId xmlns:a16="http://schemas.microsoft.com/office/drawing/2014/main" id="{8436D4B1-44B1-41CF-5782-EE57342B4731}"/>
               </a:ext>
             </a:extLst>
           </p:cNvPr>
@@ -6165,7 +6513,7 @@
           <a:p>
             <a:r>
               <a:rPr lang="en-US" dirty="0"/>
-              <a:t>Grading	</a:t>
+              <a:t>Allowed Resources</a:t>
             </a:r>
           </a:p>
         </p:txBody>
@@ -6175,7 +6523,7 @@
           <p:cNvPr id="3" name="Content Placeholder 2">
             <a:extLst>
               <a:ext uri="{FF2B5EF4-FFF2-40B4-BE49-F238E27FC236}">
-                <a16:creationId xmlns:a16="http://schemas.microsoft.com/office/drawing/2014/main" id="{DF24DD0C-77FF-39AC-8242-CC4CB703FFDA}"/>
+                <a16:creationId xmlns:a16="http://schemas.microsoft.com/office/drawing/2014/main" id="{7904E785-D711-7FBF-97DE-5D4578259848}"/>
               </a:ext>
             </a:extLst>
           </p:cNvPr>
@@ -6188,151 +6536,636 @@
         </p:nvSpPr>
         <p:spPr>
           <a:xfrm>
-            <a:off x="838200" y="1460500"/>
-            <a:ext cx="10515600" cy="5032375"/>
+            <a:off x="838200" y="1444487"/>
+            <a:ext cx="10515600" cy="5048388"/>
           </a:xfrm>
         </p:spPr>
         <p:txBody>
           <a:bodyPr>
-            <a:normAutofit lnSpcReduction="10000"/>
+            <a:normAutofit/>
           </a:bodyPr>
           <a:lstStyle/>
           <a:p>
             <a:r>
               <a:rPr lang="en-US" dirty="0"/>
-              <a:t>This course uses “proficiency-based grading”</a:t>
+              <a:t>During Tests/Quizzes</a:t>
             </a:r>
           </a:p>
           <a:p>
             <a:pPr lvl="1"/>
             <a:r>
               <a:rPr lang="en-US" dirty="0"/>
-              <a:t>You don’t get ”points” for completing work</a:t>
+              <a:t>One page (one side) of notes</a:t>
             </a:r>
           </a:p>
           <a:p>
             <a:pPr lvl="1"/>
             <a:r>
-              <a:rPr lang="en-US" dirty="0"/>
-              <a:t>Projects are marked with one of </a:t>
+              <a:rPr lang="en-US" i="1" u="sng" dirty="0"/>
+              <a:t>Your</a:t>
+            </a:r>
+            <a:r>
+              <a:rPr lang="en-US" dirty="0"/>
+              <a:t> notes, written by you</a:t>
+            </a:r>
+          </a:p>
+          <a:p>
+            <a:pPr lvl="1"/>
+            <a:r>
+              <a:rPr lang="en-US" dirty="0"/>
+              <a:t>Use for syntax reminders</a:t>
+            </a:r>
+          </a:p>
+          <a:p>
+            <a:r>
+              <a:rPr lang="en-US" dirty="0"/>
+              <a:t>For </a:t>
+            </a:r>
+            <a:r>
+              <a:rPr lang="en-US" dirty="0" err="1"/>
+              <a:t>Homeworks</a:t>
+            </a:r>
+            <a:r>
+              <a:rPr lang="en-US" dirty="0"/>
+              <a:t>/Projects</a:t>
+            </a:r>
+          </a:p>
+          <a:p>
+            <a:pPr lvl="1"/>
+            <a:r>
+              <a:rPr lang="en-US" dirty="0"/>
+              <a:t>Professors</a:t>
+            </a:r>
+          </a:p>
+          <a:p>
+            <a:pPr lvl="1"/>
+            <a:r>
+              <a:rPr lang="en-US" dirty="0"/>
+              <a:t>Any static resource</a:t>
             </a:r>
           </a:p>
           <a:p>
             <a:pPr lvl="2"/>
             <a:r>
-              <a:rPr lang="en-US" i="1" dirty="0"/>
-              <a:t>E</a:t>
-            </a:r>
-            <a:r>
-              <a:rPr lang="en-US" dirty="0"/>
-              <a:t>xceeds Expectations</a:t>
+              <a:rPr lang="en-US" dirty="0"/>
+              <a:t>Stack Overflow</a:t>
             </a:r>
           </a:p>
           <a:p>
             <a:pPr lvl="2"/>
             <a:r>
-              <a:rPr lang="en-US" i="1" dirty="0"/>
-              <a:t>M</a:t>
-            </a:r>
-            <a:r>
-              <a:rPr lang="en-US" dirty="0"/>
-              <a:t>eets Expectations</a:t>
+              <a:rPr lang="en-US" dirty="0"/>
+              <a:t>W3schools</a:t>
             </a:r>
           </a:p>
           <a:p>
             <a:pPr lvl="2"/>
             <a:r>
-              <a:rPr lang="en-US" i="1" dirty="0"/>
-              <a:t>P</a:t>
-            </a:r>
-            <a:r>
-              <a:rPr lang="en-US" dirty="0"/>
-              <a:t>rogressing, or</a:t>
-            </a:r>
-          </a:p>
-          <a:p>
-            <a:pPr lvl="2"/>
-            <a:r>
-              <a:rPr lang="en-US" i="1" dirty="0"/>
-              <a:t>N</a:t>
-            </a:r>
-            <a:r>
-              <a:rPr lang="en-US" dirty="0"/>
-              <a:t>ot Yet</a:t>
+              <a:rPr lang="en-US" dirty="0"/>
+              <a:t>Textbooks / reference books</a:t>
+            </a:r>
+          </a:p>
+          <a:p>
+            <a:r>
+              <a:rPr lang="en-US" dirty="0"/>
+              <a:t>Cite resources you do you use</a:t>
             </a:r>
           </a:p>
           <a:p>
             <a:pPr lvl="1"/>
             <a:r>
               <a:rPr lang="en-US" dirty="0"/>
-              <a:t>You are expected to resubmit a project until you earn an E or an M</a:t>
-            </a:r>
-          </a:p>
-          <a:p>
-            <a:pPr lvl="1"/>
-            <a:r>
-              <a:rPr lang="en-US" dirty="0"/>
-              <a:t>Test/Quiz questions are marked </a:t>
-            </a:r>
-            <a:r>
-              <a:rPr lang="en-US" i="1" dirty="0"/>
-              <a:t>Success</a:t>
-            </a:r>
-            <a:r>
-              <a:rPr lang="en-US" dirty="0"/>
-              <a:t> or </a:t>
-            </a:r>
-            <a:r>
-              <a:rPr lang="en-US" i="1" dirty="0"/>
-              <a:t>Retry</a:t>
-            </a:r>
-          </a:p>
-          <a:p>
-            <a:pPr lvl="1"/>
-            <a:r>
-              <a:rPr lang="en-US" dirty="0"/>
-              <a:t>You will have multiple opportunities to successfully complete quiz questions on a given topic</a:t>
-            </a:r>
-          </a:p>
-          <a:p>
-            <a:pPr lvl="2"/>
-            <a:r>
-              <a:rPr lang="en-US" dirty="0"/>
-              <a:t>Unsuccessful attempts don’t count against you</a:t>
-            </a:r>
-          </a:p>
-          <a:p>
-            <a:pPr lvl="2"/>
-            <a:r>
-              <a:rPr lang="en-US" dirty="0"/>
-              <a:t>Need to be successful on two separate quizzes to get credit for a topic</a:t>
-            </a:r>
-          </a:p>
-          <a:p>
-            <a:pPr lvl="1"/>
-            <a:r>
-              <a:rPr lang="en-US" dirty="0"/>
-              <a:t>Your final grade depends on the number of topics you acquire proficiency in.</a:t>
-            </a:r>
-          </a:p>
-          <a:p>
-            <a:pPr marL="457200" lvl="1" indent="0">
-              <a:buNone/>
-            </a:pPr>
-            <a:endParaRPr lang="en-US" dirty="0"/>
+              <a:t>E.g., put link to Stack Overflow article in a comment.</a:t>
+            </a:r>
           </a:p>
         </p:txBody>
       </p:sp>
     </p:spTree>
     <p:extLst>
       <p:ext uri="{BB962C8B-B14F-4D97-AF65-F5344CB8AC3E}">
-        <p14:creationId xmlns:p14="http://schemas.microsoft.com/office/powerpoint/2010/main" val="478519154"/>
+        <p14:creationId xmlns:p14="http://schemas.microsoft.com/office/powerpoint/2010/main" val="3687508812"/>
       </p:ext>
     </p:extLst>
   </p:cSld>
   <p:clrMapOvr>
     <a:masterClrMapping/>
   </p:clrMapOvr>
+  <p:timing>
+    <p:tnLst>
+      <p:par>
+        <p:cTn id="1" dur="indefinite" restart="never" nodeType="tmRoot">
+          <p:childTnLst>
+            <p:seq concurrent="1" nextAc="seek">
+              <p:cTn id="2" dur="indefinite" nodeType="mainSeq">
+                <p:childTnLst>
+                  <p:par>
+                    <p:cTn id="3" fill="hold">
+                      <p:stCondLst>
+                        <p:cond delay="indefinite"/>
+                        <p:cond evt="onBegin" delay="0">
+                          <p:tn val="2"/>
+                        </p:cond>
+                      </p:stCondLst>
+                      <p:childTnLst>
+                        <p:par>
+                          <p:cTn id="4" fill="hold">
+                            <p:stCondLst>
+                              <p:cond delay="0"/>
+                            </p:stCondLst>
+                            <p:childTnLst>
+                              <p:par>
+                                <p:cTn id="5" presetID="1" presetClass="entr" presetSubtype="0" fill="hold" grpId="0" nodeType="withEffect">
+                                  <p:stCondLst>
+                                    <p:cond delay="0"/>
+                                  </p:stCondLst>
+                                  <p:childTnLst>
+                                    <p:set>
+                                      <p:cBhvr>
+                                        <p:cTn id="6" dur="1" fill="hold">
+                                          <p:stCondLst>
+                                            <p:cond delay="0"/>
+                                          </p:stCondLst>
+                                        </p:cTn>
+                                        <p:tgtEl>
+                                          <p:spTgt spid="3">
+                                            <p:txEl>
+                                              <p:pRg st="0" end="0"/>
+                                            </p:txEl>
+                                          </p:spTgt>
+                                        </p:tgtEl>
+                                        <p:attrNameLst>
+                                          <p:attrName>style.visibility</p:attrName>
+                                        </p:attrNameLst>
+                                      </p:cBhvr>
+                                      <p:to>
+                                        <p:strVal val="visible"/>
+                                      </p:to>
+                                    </p:set>
+                                  </p:childTnLst>
+                                </p:cTn>
+                              </p:par>
+                              <p:par>
+                                <p:cTn id="7" presetID="1" presetClass="entr" presetSubtype="0" fill="hold" grpId="0" nodeType="withEffect">
+                                  <p:stCondLst>
+                                    <p:cond delay="0"/>
+                                  </p:stCondLst>
+                                  <p:childTnLst>
+                                    <p:set>
+                                      <p:cBhvr>
+                                        <p:cTn id="8" dur="1" fill="hold">
+                                          <p:stCondLst>
+                                            <p:cond delay="0"/>
+                                          </p:stCondLst>
+                                        </p:cTn>
+                                        <p:tgtEl>
+                                          <p:spTgt spid="3">
+                                            <p:txEl>
+                                              <p:pRg st="1" end="1"/>
+                                            </p:txEl>
+                                          </p:spTgt>
+                                        </p:tgtEl>
+                                        <p:attrNameLst>
+                                          <p:attrName>style.visibility</p:attrName>
+                                        </p:attrNameLst>
+                                      </p:cBhvr>
+                                      <p:to>
+                                        <p:strVal val="visible"/>
+                                      </p:to>
+                                    </p:set>
+                                  </p:childTnLst>
+                                </p:cTn>
+                              </p:par>
+                              <p:par>
+                                <p:cTn id="9" presetID="1" presetClass="entr" presetSubtype="0" fill="hold" grpId="0" nodeType="withEffect">
+                                  <p:stCondLst>
+                                    <p:cond delay="0"/>
+                                  </p:stCondLst>
+                                  <p:childTnLst>
+                                    <p:set>
+                                      <p:cBhvr>
+                                        <p:cTn id="10" dur="1" fill="hold">
+                                          <p:stCondLst>
+                                            <p:cond delay="0"/>
+                                          </p:stCondLst>
+                                        </p:cTn>
+                                        <p:tgtEl>
+                                          <p:spTgt spid="3">
+                                            <p:txEl>
+                                              <p:pRg st="2" end="2"/>
+                                            </p:txEl>
+                                          </p:spTgt>
+                                        </p:tgtEl>
+                                        <p:attrNameLst>
+                                          <p:attrName>style.visibility</p:attrName>
+                                        </p:attrNameLst>
+                                      </p:cBhvr>
+                                      <p:to>
+                                        <p:strVal val="visible"/>
+                                      </p:to>
+                                    </p:set>
+                                  </p:childTnLst>
+                                </p:cTn>
+                              </p:par>
+                              <p:par>
+                                <p:cTn id="11" presetID="1" presetClass="entr" presetSubtype="0" fill="hold" grpId="0" nodeType="withEffect">
+                                  <p:stCondLst>
+                                    <p:cond delay="0"/>
+                                  </p:stCondLst>
+                                  <p:childTnLst>
+                                    <p:set>
+                                      <p:cBhvr>
+                                        <p:cTn id="12" dur="1" fill="hold">
+                                          <p:stCondLst>
+                                            <p:cond delay="0"/>
+                                          </p:stCondLst>
+                                        </p:cTn>
+                                        <p:tgtEl>
+                                          <p:spTgt spid="3">
+                                            <p:txEl>
+                                              <p:pRg st="3" end="3"/>
+                                            </p:txEl>
+                                          </p:spTgt>
+                                        </p:tgtEl>
+                                        <p:attrNameLst>
+                                          <p:attrName>style.visibility</p:attrName>
+                                        </p:attrNameLst>
+                                      </p:cBhvr>
+                                      <p:to>
+                                        <p:strVal val="visible"/>
+                                      </p:to>
+                                    </p:set>
+                                  </p:childTnLst>
+                                </p:cTn>
+                              </p:par>
+                            </p:childTnLst>
+                          </p:cTn>
+                        </p:par>
+                      </p:childTnLst>
+                    </p:cTn>
+                  </p:par>
+                  <p:par>
+                    <p:cTn id="13" fill="hold">
+                      <p:stCondLst>
+                        <p:cond delay="indefinite"/>
+                      </p:stCondLst>
+                      <p:childTnLst>
+                        <p:par>
+                          <p:cTn id="14" fill="hold">
+                            <p:stCondLst>
+                              <p:cond delay="0"/>
+                            </p:stCondLst>
+                            <p:childTnLst>
+                              <p:par>
+                                <p:cTn id="15" presetID="1" presetClass="entr" presetSubtype="0" fill="hold" grpId="0" nodeType="clickEffect">
+                                  <p:stCondLst>
+                                    <p:cond delay="0"/>
+                                  </p:stCondLst>
+                                  <p:childTnLst>
+                                    <p:set>
+                                      <p:cBhvr>
+                                        <p:cTn id="16" dur="1" fill="hold">
+                                          <p:stCondLst>
+                                            <p:cond delay="0"/>
+                                          </p:stCondLst>
+                                        </p:cTn>
+                                        <p:tgtEl>
+                                          <p:spTgt spid="3">
+                                            <p:txEl>
+                                              <p:pRg st="4" end="4"/>
+                                            </p:txEl>
+                                          </p:spTgt>
+                                        </p:tgtEl>
+                                        <p:attrNameLst>
+                                          <p:attrName>style.visibility</p:attrName>
+                                        </p:attrNameLst>
+                                      </p:cBhvr>
+                                      <p:to>
+                                        <p:strVal val="visible"/>
+                                      </p:to>
+                                    </p:set>
+                                  </p:childTnLst>
+                                </p:cTn>
+                              </p:par>
+                            </p:childTnLst>
+                          </p:cTn>
+                        </p:par>
+                      </p:childTnLst>
+                    </p:cTn>
+                  </p:par>
+                  <p:par>
+                    <p:cTn id="17" fill="hold">
+                      <p:stCondLst>
+                        <p:cond delay="indefinite"/>
+                      </p:stCondLst>
+                      <p:childTnLst>
+                        <p:par>
+                          <p:cTn id="18" fill="hold">
+                            <p:stCondLst>
+                              <p:cond delay="0"/>
+                            </p:stCondLst>
+                            <p:childTnLst>
+                              <p:par>
+                                <p:cTn id="19" presetID="1" presetClass="entr" presetSubtype="0" fill="hold" grpId="0" nodeType="clickEffect">
+                                  <p:stCondLst>
+                                    <p:cond delay="0"/>
+                                  </p:stCondLst>
+                                  <p:childTnLst>
+                                    <p:set>
+                                      <p:cBhvr>
+                                        <p:cTn id="20" dur="1" fill="hold">
+                                          <p:stCondLst>
+                                            <p:cond delay="0"/>
+                                          </p:stCondLst>
+                                        </p:cTn>
+                                        <p:tgtEl>
+                                          <p:spTgt spid="3">
+                                            <p:txEl>
+                                              <p:pRg st="5" end="5"/>
+                                            </p:txEl>
+                                          </p:spTgt>
+                                        </p:tgtEl>
+                                        <p:attrNameLst>
+                                          <p:attrName>style.visibility</p:attrName>
+                                        </p:attrNameLst>
+                                      </p:cBhvr>
+                                      <p:to>
+                                        <p:strVal val="visible"/>
+                                      </p:to>
+                                    </p:set>
+                                  </p:childTnLst>
+                                </p:cTn>
+                              </p:par>
+                            </p:childTnLst>
+                          </p:cTn>
+                        </p:par>
+                      </p:childTnLst>
+                    </p:cTn>
+                  </p:par>
+                  <p:par>
+                    <p:cTn id="21" fill="hold">
+                      <p:stCondLst>
+                        <p:cond delay="indefinite"/>
+                      </p:stCondLst>
+                      <p:childTnLst>
+                        <p:par>
+                          <p:cTn id="22" fill="hold">
+                            <p:stCondLst>
+                              <p:cond delay="0"/>
+                            </p:stCondLst>
+                            <p:childTnLst>
+                              <p:par>
+                                <p:cTn id="23" presetID="1" presetClass="entr" presetSubtype="0" fill="hold" grpId="0" nodeType="clickEffect">
+                                  <p:stCondLst>
+                                    <p:cond delay="0"/>
+                                  </p:stCondLst>
+                                  <p:childTnLst>
+                                    <p:set>
+                                      <p:cBhvr>
+                                        <p:cTn id="24" dur="1" fill="hold">
+                                          <p:stCondLst>
+                                            <p:cond delay="0"/>
+                                          </p:stCondLst>
+                                        </p:cTn>
+                                        <p:tgtEl>
+                                          <p:spTgt spid="3">
+                                            <p:txEl>
+                                              <p:pRg st="6" end="6"/>
+                                            </p:txEl>
+                                          </p:spTgt>
+                                        </p:tgtEl>
+                                        <p:attrNameLst>
+                                          <p:attrName>style.visibility</p:attrName>
+                                        </p:attrNameLst>
+                                      </p:cBhvr>
+                                      <p:to>
+                                        <p:strVal val="visible"/>
+                                      </p:to>
+                                    </p:set>
+                                  </p:childTnLst>
+                                </p:cTn>
+                              </p:par>
+                              <p:par>
+                                <p:cTn id="25" presetID="1" presetClass="entr" presetSubtype="0" fill="hold" grpId="0" nodeType="withEffect">
+                                  <p:stCondLst>
+                                    <p:cond delay="0"/>
+                                  </p:stCondLst>
+                                  <p:childTnLst>
+                                    <p:set>
+                                      <p:cBhvr>
+                                        <p:cTn id="26" dur="1" fill="hold">
+                                          <p:stCondLst>
+                                            <p:cond delay="0"/>
+                                          </p:stCondLst>
+                                        </p:cTn>
+                                        <p:tgtEl>
+                                          <p:spTgt spid="3">
+                                            <p:txEl>
+                                              <p:pRg st="7" end="7"/>
+                                            </p:txEl>
+                                          </p:spTgt>
+                                        </p:tgtEl>
+                                        <p:attrNameLst>
+                                          <p:attrName>style.visibility</p:attrName>
+                                        </p:attrNameLst>
+                                      </p:cBhvr>
+                                      <p:to>
+                                        <p:strVal val="visible"/>
+                                      </p:to>
+                                    </p:set>
+                                  </p:childTnLst>
+                                </p:cTn>
+                              </p:par>
+                              <p:par>
+                                <p:cTn id="27" presetID="1" presetClass="entr" presetSubtype="0" fill="hold" grpId="0" nodeType="withEffect">
+                                  <p:stCondLst>
+                                    <p:cond delay="0"/>
+                                  </p:stCondLst>
+                                  <p:childTnLst>
+                                    <p:set>
+                                      <p:cBhvr>
+                                        <p:cTn id="28" dur="1" fill="hold">
+                                          <p:stCondLst>
+                                            <p:cond delay="0"/>
+                                          </p:stCondLst>
+                                        </p:cTn>
+                                        <p:tgtEl>
+                                          <p:spTgt spid="3">
+                                            <p:txEl>
+                                              <p:pRg st="8" end="8"/>
+                                            </p:txEl>
+                                          </p:spTgt>
+                                        </p:tgtEl>
+                                        <p:attrNameLst>
+                                          <p:attrName>style.visibility</p:attrName>
+                                        </p:attrNameLst>
+                                      </p:cBhvr>
+                                      <p:to>
+                                        <p:strVal val="visible"/>
+                                      </p:to>
+                                    </p:set>
+                                  </p:childTnLst>
+                                </p:cTn>
+                              </p:par>
+                              <p:par>
+                                <p:cTn id="29" presetID="1" presetClass="entr" presetSubtype="0" fill="hold" grpId="0" nodeType="withEffect">
+                                  <p:stCondLst>
+                                    <p:cond delay="0"/>
+                                  </p:stCondLst>
+                                  <p:childTnLst>
+                                    <p:set>
+                                      <p:cBhvr>
+                                        <p:cTn id="30" dur="1" fill="hold">
+                                          <p:stCondLst>
+                                            <p:cond delay="0"/>
+                                          </p:stCondLst>
+                                        </p:cTn>
+                                        <p:tgtEl>
+                                          <p:spTgt spid="3">
+                                            <p:txEl>
+                                              <p:pRg st="9" end="9"/>
+                                            </p:txEl>
+                                          </p:spTgt>
+                                        </p:tgtEl>
+                                        <p:attrNameLst>
+                                          <p:attrName>style.visibility</p:attrName>
+                                        </p:attrNameLst>
+                                      </p:cBhvr>
+                                      <p:to>
+                                        <p:strVal val="visible"/>
+                                      </p:to>
+                                    </p:set>
+                                  </p:childTnLst>
+                                </p:cTn>
+                              </p:par>
+                            </p:childTnLst>
+                          </p:cTn>
+                        </p:par>
+                      </p:childTnLst>
+                    </p:cTn>
+                  </p:par>
+                  <p:par>
+                    <p:cTn id="31" fill="hold">
+                      <p:stCondLst>
+                        <p:cond delay="indefinite"/>
+                      </p:stCondLst>
+                      <p:childTnLst>
+                        <p:par>
+                          <p:cTn id="32" fill="hold">
+                            <p:stCondLst>
+                              <p:cond delay="0"/>
+                            </p:stCondLst>
+                            <p:childTnLst>
+                              <p:par>
+                                <p:cTn id="33" presetID="1" presetClass="entr" presetSubtype="0" fill="hold" grpId="0" nodeType="clickEffect">
+                                  <p:stCondLst>
+                                    <p:cond delay="0"/>
+                                  </p:stCondLst>
+                                  <p:childTnLst>
+                                    <p:set>
+                                      <p:cBhvr>
+                                        <p:cTn id="34" dur="1" fill="hold">
+                                          <p:stCondLst>
+                                            <p:cond delay="0"/>
+                                          </p:stCondLst>
+                                        </p:cTn>
+                                        <p:tgtEl>
+                                          <p:spTgt spid="3">
+                                            <p:txEl>
+                                              <p:pRg st="10" end="10"/>
+                                            </p:txEl>
+                                          </p:spTgt>
+                                        </p:tgtEl>
+                                        <p:attrNameLst>
+                                          <p:attrName>style.visibility</p:attrName>
+                                        </p:attrNameLst>
+                                      </p:cBhvr>
+                                      <p:to>
+                                        <p:strVal val="visible"/>
+                                      </p:to>
+                                    </p:set>
+                                  </p:childTnLst>
+                                </p:cTn>
+                              </p:par>
+                            </p:childTnLst>
+                          </p:cTn>
+                        </p:par>
+                      </p:childTnLst>
+                    </p:cTn>
+                  </p:par>
+                  <p:par>
+                    <p:cTn id="35" fill="hold">
+                      <p:stCondLst>
+                        <p:cond delay="indefinite"/>
+                      </p:stCondLst>
+                      <p:childTnLst>
+                        <p:par>
+                          <p:cTn id="36" fill="hold">
+                            <p:stCondLst>
+                              <p:cond delay="0"/>
+                            </p:stCondLst>
+                            <p:childTnLst>
+                              <p:par>
+                                <p:cTn id="37" presetID="1" presetClass="entr" presetSubtype="0" fill="hold" grpId="0" nodeType="clickEffect">
+                                  <p:stCondLst>
+                                    <p:cond delay="0"/>
+                                  </p:stCondLst>
+                                  <p:childTnLst>
+                                    <p:set>
+                                      <p:cBhvr>
+                                        <p:cTn id="38" dur="1" fill="hold">
+                                          <p:stCondLst>
+                                            <p:cond delay="0"/>
+                                          </p:stCondLst>
+                                        </p:cTn>
+                                        <p:tgtEl>
+                                          <p:spTgt spid="3">
+                                            <p:txEl>
+                                              <p:pRg st="11" end="11"/>
+                                            </p:txEl>
+                                          </p:spTgt>
+                                        </p:tgtEl>
+                                        <p:attrNameLst>
+                                          <p:attrName>style.visibility</p:attrName>
+                                        </p:attrNameLst>
+                                      </p:cBhvr>
+                                      <p:to>
+                                        <p:strVal val="visible"/>
+                                      </p:to>
+                                    </p:set>
+                                  </p:childTnLst>
+                                </p:cTn>
+                              </p:par>
+                            </p:childTnLst>
+                          </p:cTn>
+                        </p:par>
+                      </p:childTnLst>
+                    </p:cTn>
+                  </p:par>
+                </p:childTnLst>
+              </p:cTn>
+              <p:prevCondLst>
+                <p:cond evt="onPrev" delay="0">
+                  <p:tgtEl>
+                    <p:sldTgt/>
+                  </p:tgtEl>
+                </p:cond>
+              </p:prevCondLst>
+              <p:nextCondLst>
+                <p:cond evt="onNext" delay="0">
+                  <p:tgtEl>
+                    <p:sldTgt/>
+                  </p:tgtEl>
+                </p:cond>
+              </p:nextCondLst>
+            </p:seq>
+          </p:childTnLst>
+        </p:cTn>
+      </p:par>
+    </p:tnLst>
+    <p:bldLst>
+      <p:bldP spid="3" grpId="0" uiExpand="1" build="p" bldLvl="2"/>
+    </p:bldLst>
+  </p:timing>
 </p:sld>
 </file>
 
@@ -6358,7 +7191,7 @@
           <p:cNvPr id="2" name="Title 1">
             <a:extLst>
               <a:ext uri="{FF2B5EF4-FFF2-40B4-BE49-F238E27FC236}">
-                <a16:creationId xmlns:a16="http://schemas.microsoft.com/office/drawing/2014/main" id="{82395829-E76E-D758-BDF7-4D88CFCB178A}"/>
+                <a16:creationId xmlns:a16="http://schemas.microsoft.com/office/drawing/2014/main" id="{ABEF57EB-680E-3BCF-2573-469D0F6CBA92}"/>
               </a:ext>
             </a:extLst>
           </p:cNvPr>
@@ -6376,7 +7209,7 @@
           <a:p>
             <a:r>
               <a:rPr lang="en-US" dirty="0"/>
-              <a:t>Why Python?</a:t>
+              <a:t>Prohibited Resources	</a:t>
             </a:r>
           </a:p>
         </p:txBody>
@@ -6386,7 +7219,7 @@
           <p:cNvPr id="3" name="Content Placeholder 2">
             <a:extLst>
               <a:ext uri="{FF2B5EF4-FFF2-40B4-BE49-F238E27FC236}">
-                <a16:creationId xmlns:a16="http://schemas.microsoft.com/office/drawing/2014/main" id="{483548D8-6A60-61A0-BE60-11348C526BAD}"/>
+                <a16:creationId xmlns:a16="http://schemas.microsoft.com/office/drawing/2014/main" id="{804031EE-2BE9-37CB-EA04-87F7E7487EB8}"/>
               </a:ext>
             </a:extLst>
           </p:cNvPr>
@@ -6397,71 +7230,96 @@
             <p:ph idx="1"/>
           </p:nvPr>
         </p:nvSpPr>
-        <p:spPr/>
+        <p:spPr>
+          <a:xfrm>
+            <a:off x="838199" y="1825625"/>
+            <a:ext cx="6954079" cy="4351338"/>
+          </a:xfrm>
+        </p:spPr>
         <p:txBody>
           <a:bodyPr/>
           <a:lstStyle/>
           <a:p>
             <a:r>
               <a:rPr lang="en-US" dirty="0"/>
-              <a:t>Easy to learn</a:t>
+              <a:t>Anything that generates custom code to answer your specific question</a:t>
             </a:r>
           </a:p>
           <a:p>
             <a:pPr lvl="1"/>
             <a:r>
-              <a:rPr lang="en-US" dirty="0"/>
-              <a:t>Becoming a very popular first programming language</a:t>
-            </a:r>
+              <a:rPr lang="en-US" dirty="0" err="1"/>
+              <a:t>ChatGPT</a:t>
+            </a:r>
+            <a:endParaRPr lang="en-US" dirty="0"/>
           </a:p>
           <a:p>
             <a:pPr lvl="1"/>
             <a:r>
               <a:rPr lang="en-US" dirty="0"/>
-              <a:t>GVSU switched CS 1 from Java to Python in 2022</a:t>
-            </a:r>
-          </a:p>
-          <a:p>
-            <a:r>
-              <a:rPr lang="en-US" dirty="0"/>
-              <a:t>Commonly used in the sciences</a:t>
+              <a:t>Copilot</a:t>
             </a:r>
           </a:p>
           <a:p>
             <a:pPr lvl="1"/>
             <a:r>
               <a:rPr lang="en-US" dirty="0"/>
-              <a:t>Physics, chemistry, biology, math, etc.</a:t>
-            </a:r>
-          </a:p>
-          <a:p>
-            <a:r>
-              <a:rPr lang="en-US" dirty="0"/>
-              <a:t>Many, many libraries</a:t>
-            </a:r>
-          </a:p>
-          <a:p>
-            <a:r>
-              <a:rPr lang="en-US" dirty="0"/>
-              <a:t>Free and easy to install</a:t>
-            </a:r>
-          </a:p>
-          <a:p>
-            <a:r>
-              <a:rPr lang="en-US" dirty="0"/>
-              <a:t>Can even write / run python code in a web browser</a:t>
+              <a:t>Your classmates</a:t>
             </a:r>
           </a:p>
           <a:p>
             <a:pPr lvl="1"/>
-            <a:endParaRPr lang="en-US" dirty="0"/>
-          </a:p>
-        </p:txBody>
-      </p:sp>
+            <a:r>
+              <a:rPr lang="en-US" dirty="0"/>
+              <a:t>Your friends and family who already know how to program</a:t>
+            </a:r>
+          </a:p>
+          <a:p>
+            <a:r>
+              <a:rPr lang="en-US" dirty="0"/>
+              <a:t>Asking classmates, friends, family high-level general questions </a:t>
+            </a:r>
+            <a:r>
+              <a:rPr lang="en-US"/>
+              <a:t>is encouraged.</a:t>
+            </a:r>
+          </a:p>
+        </p:txBody>
+      </p:sp>
+      <p:pic>
+        <p:nvPicPr>
+          <p:cNvPr id="4" name="Content Placeholder 3">
+            <a:extLst>
+              <a:ext uri="{FF2B5EF4-FFF2-40B4-BE49-F238E27FC236}">
+                <a16:creationId xmlns:a16="http://schemas.microsoft.com/office/drawing/2014/main" id="{F97AC1DB-3C1F-AC48-1EA3-1C46CA99A511}"/>
+              </a:ext>
+            </a:extLst>
+          </p:cNvPr>
+          <p:cNvPicPr>
+            <a:picLocks noChangeAspect="1"/>
+          </p:cNvPicPr>
+          <p:nvPr/>
+        </p:nvPicPr>
+        <p:blipFill>
+          <a:blip r:embed="rId2"/>
+          <a:stretch>
+            <a:fillRect/>
+          </a:stretch>
+        </p:blipFill>
+        <p:spPr>
+          <a:xfrm>
+            <a:off x="7792278" y="1539875"/>
+            <a:ext cx="3998843" cy="3998843"/>
+          </a:xfrm>
+          <a:prstGeom prst="rect">
+            <a:avLst/>
+          </a:prstGeom>
+        </p:spPr>
+      </p:pic>
     </p:spTree>
     <p:extLst>
       <p:ext uri="{BB962C8B-B14F-4D97-AF65-F5344CB8AC3E}">
-        <p14:creationId xmlns:p14="http://schemas.microsoft.com/office/powerpoint/2010/main" val="4065333939"/>
+        <p14:creationId xmlns:p14="http://schemas.microsoft.com/office/powerpoint/2010/main" val="1423465106"/>
       </p:ext>
     </p:extLst>
   </p:cSld>

--- a/Teaching/Courses/F23/CIS500/LectureNotes/cis500_intro.pptx
+++ b/Teaching/Courses/F23/CIS500/LectureNotes/cis500_intro.pptx
@@ -6555,26 +6555,20 @@
             <a:pPr lvl="1"/>
             <a:r>
               <a:rPr lang="en-US" dirty="0"/>
-              <a:t>One page (one side) of notes</a:t>
+              <a:t>A one-page Python reference sheet</a:t>
             </a:r>
           </a:p>
           <a:p>
             <a:pPr lvl="1"/>
             <a:r>
-              <a:rPr lang="en-US" i="1" u="sng" dirty="0"/>
-              <a:t>Your</a:t>
-            </a:r>
-            <a:r>
-              <a:rPr lang="en-US" dirty="0"/>
-              <a:t> notes, written by you</a:t>
-            </a:r>
-          </a:p>
-          <a:p>
-            <a:pPr lvl="1"/>
-            <a:r>
-              <a:rPr lang="en-US" dirty="0"/>
-              <a:t>Use for syntax reminders</a:t>
-            </a:r>
+              <a:rPr lang="en-US" dirty="0"/>
+              <a:t>Must submit </a:t>
+            </a:r>
+            <a:r>
+              <a:rPr lang="en-US"/>
+              <a:t>for approval</a:t>
+            </a:r>
+            <a:endParaRPr lang="en-US" dirty="0"/>
           </a:p>
           <a:p>
             <a:r>
@@ -6735,39 +6729,26 @@
                                   </p:childTnLst>
                                 </p:cTn>
                               </p:par>
+                            </p:childTnLst>
+                          </p:cTn>
+                        </p:par>
+                      </p:childTnLst>
+                    </p:cTn>
+                  </p:par>
+                  <p:par>
+                    <p:cTn id="9" fill="hold">
+                      <p:stCondLst>
+                        <p:cond delay="indefinite"/>
+                      </p:stCondLst>
+                      <p:childTnLst>
+                        <p:par>
+                          <p:cTn id="10" fill="hold">
+                            <p:stCondLst>
+                              <p:cond delay="0"/>
+                            </p:stCondLst>
+                            <p:childTnLst>
                               <p:par>
-                                <p:cTn id="9" presetID="1" presetClass="entr" presetSubtype="0" fill="hold" grpId="0" nodeType="withEffect">
-                                  <p:stCondLst>
-                                    <p:cond delay="0"/>
-                                  </p:stCondLst>
-                                  <p:childTnLst>
-                                    <p:set>
-                                      <p:cBhvr>
-                                        <p:cTn id="10" dur="1" fill="hold">
-                                          <p:stCondLst>
-                                            <p:cond delay="0"/>
-                                          </p:stCondLst>
-                                        </p:cTn>
-                                        <p:tgtEl>
-                                          <p:spTgt spid="3">
-                                            <p:txEl>
-                                              <p:pRg st="2" end="2"/>
-                                            </p:txEl>
-                                          </p:spTgt>
-                                        </p:tgtEl>
-                                        <p:attrNameLst>
-                                          <p:attrName>style.visibility</p:attrName>
-                                        </p:attrNameLst>
-                                      </p:cBhvr>
-                                      <p:to>
-                                        <p:strVal val="visible"/>
-                                      </p:to>
-                                    </p:set>
-                                  </p:childTnLst>
-                                </p:cTn>
-                              </p:par>
-                              <p:par>
-                                <p:cTn id="11" presetID="1" presetClass="entr" presetSubtype="0" fill="hold" grpId="0" nodeType="withEffect">
+                                <p:cTn id="11" presetID="1" presetClass="entr" presetSubtype="0" fill="hold" grpId="0" nodeType="clickEffect">
                                   <p:stCondLst>
                                     <p:cond delay="0"/>
                                   </p:stCondLst>
@@ -6782,7 +6763,7 @@
                                         <p:tgtEl>
                                           <p:spTgt spid="3">
                                             <p:txEl>
-                                              <p:pRg st="3" end="3"/>
+                                              <p:pRg st="2" end="2"/>
                                             </p:txEl>
                                           </p:spTgt>
                                         </p:tgtEl>
@@ -6831,7 +6812,7 @@
                                         <p:tgtEl>
                                           <p:spTgt spid="3">
                                             <p:txEl>
-                                              <p:pRg st="4" end="4"/>
+                                              <p:pRg st="3" end="3"/>
                                             </p:txEl>
                                           </p:spTgt>
                                         </p:tgtEl>
@@ -6880,7 +6861,7 @@
                                         <p:tgtEl>
                                           <p:spTgt spid="3">
                                             <p:txEl>
-                                              <p:pRg st="5" end="5"/>
+                                              <p:pRg st="4" end="4"/>
                                             </p:txEl>
                                           </p:spTgt>
                                         </p:tgtEl>
@@ -6929,7 +6910,7 @@
                                         <p:tgtEl>
                                           <p:spTgt spid="3">
                                             <p:txEl>
-                                              <p:pRg st="6" end="6"/>
+                                              <p:pRg st="5" end="5"/>
                                             </p:txEl>
                                           </p:spTgt>
                                         </p:tgtEl>
@@ -6960,7 +6941,7 @@
                                         <p:tgtEl>
                                           <p:spTgt spid="3">
                                             <p:txEl>
-                                              <p:pRg st="7" end="7"/>
+                                              <p:pRg st="6" end="6"/>
                                             </p:txEl>
                                           </p:spTgt>
                                         </p:tgtEl>
@@ -6991,7 +6972,7 @@
                                         <p:tgtEl>
                                           <p:spTgt spid="3">
                                             <p:txEl>
-                                              <p:pRg st="8" end="8"/>
+                                              <p:pRg st="7" end="7"/>
                                             </p:txEl>
                                           </p:spTgt>
                                         </p:tgtEl>
@@ -7022,7 +7003,7 @@
                                         <p:tgtEl>
                                           <p:spTgt spid="3">
                                             <p:txEl>
-                                              <p:pRg st="9" end="9"/>
+                                              <p:pRg st="8" end="8"/>
                                             </p:txEl>
                                           </p:spTgt>
                                         </p:tgtEl>
@@ -7071,7 +7052,7 @@
                                         <p:tgtEl>
                                           <p:spTgt spid="3">
                                             <p:txEl>
-                                              <p:pRg st="10" end="10"/>
+                                              <p:pRg st="9" end="9"/>
                                             </p:txEl>
                                           </p:spTgt>
                                         </p:tgtEl>
@@ -7120,7 +7101,7 @@
                                         <p:tgtEl>
                                           <p:spTgt spid="3">
                                             <p:txEl>
-                                              <p:pRg st="11" end="11"/>
+                                              <p:pRg st="10" end="10"/>
                                             </p:txEl>
                                           </p:spTgt>
                                         </p:tgtEl>
@@ -7277,11 +7258,7 @@
           <a:p>
             <a:r>
               <a:rPr lang="en-US" dirty="0"/>
-              <a:t>Asking classmates, friends, family high-level general questions </a:t>
-            </a:r>
-            <a:r>
-              <a:rPr lang="en-US"/>
-              <a:t>is encouraged.</a:t>
+              <a:t>Asking classmates, friends, family high-level general questions is encouraged.</a:t>
             </a:r>
           </a:p>
         </p:txBody>

--- a/Teaching/Courses/F23/CIS500/LectureNotes/cis500_intro.pptx
+++ b/Teaching/Courses/F23/CIS500/LectureNotes/cis500_intro.pptx
@@ -6562,13 +6562,8 @@
             <a:pPr lvl="1"/>
             <a:r>
               <a:rPr lang="en-US" dirty="0"/>
-              <a:t>Must submit </a:t>
-            </a:r>
-            <a:r>
-              <a:rPr lang="en-US"/>
-              <a:t>for approval</a:t>
-            </a:r>
-            <a:endParaRPr lang="en-US" dirty="0"/>
+              <a:t>Must submit for approval</a:t>
+            </a:r>
           </a:p>
           <a:p>
             <a:r>
@@ -6601,8 +6596,12 @@
           <a:p>
             <a:pPr lvl="2"/>
             <a:r>
-              <a:rPr lang="en-US" dirty="0"/>
-              <a:t>Stack Overflow</a:t>
+              <a:rPr lang="en-US" i="1" u="sng" dirty="0"/>
+              <a:t>Existing</a:t>
+            </a:r>
+            <a:r>
+              <a:rPr lang="en-US" dirty="0"/>
+              <a:t> Stack Overflow post</a:t>
             </a:r>
           </a:p>
           <a:p>
@@ -7244,6 +7243,26 @@
           <a:p>
             <a:pPr lvl="1"/>
             <a:r>
+              <a:rPr lang="en-US" dirty="0" err="1"/>
+              <a:t>WeWork</a:t>
+            </a:r>
+            <a:r>
+              <a:rPr lang="en-US" dirty="0"/>
+              <a:t>, Chegg, </a:t>
+            </a:r>
+            <a:r>
+              <a:rPr lang="en-US" dirty="0" err="1"/>
+              <a:t>UpWork</a:t>
+            </a:r>
+            <a:r>
+              <a:rPr lang="en-US"/>
+              <a:t>, etc.</a:t>
+            </a:r>
+            <a:endParaRPr lang="en-US" dirty="0"/>
+          </a:p>
+          <a:p>
+            <a:pPr lvl="1"/>
+            <a:r>
               <a:rPr lang="en-US" dirty="0"/>
               <a:t>Your classmates</a:t>
             </a:r>
